--- a/자바심화 과제/20230425 자바심화 과제 남정현.pptx
+++ b/자바심화 과제/20230425 자바심화 과제 남정현.pptx
@@ -14,8 +14,13 @@
     <p:sldId id="262" r:id="rId8"/>
     <p:sldId id="263" r:id="rId9"/>
     <p:sldId id="264" r:id="rId10"/>
-    <p:sldId id="265" r:id="rId11"/>
-    <p:sldId id="266" r:id="rId12"/>
+    <p:sldId id="270" r:id="rId11"/>
+    <p:sldId id="268" r:id="rId12"/>
+    <p:sldId id="267" r:id="rId13"/>
+    <p:sldId id="265" r:id="rId14"/>
+    <p:sldId id="269" r:id="rId15"/>
+    <p:sldId id="271" r:id="rId16"/>
+    <p:sldId id="266" r:id="rId17"/>
   </p:sldIdLst>
   <p:sldSz cx="12192000" cy="6858000"/>
   <p:notesSz cx="6858000" cy="9144000"/>
@@ -114,6 +119,11 @@
       </a:defRPr>
     </a:lvl9pPr>
   </p:defaultTextStyle>
+  <p:extLst>
+    <p:ext uri="{EFAFB233-063F-42B5-8137-9DF3F51BA10A}">
+      <p15:sldGuideLst xmlns:p15="http://schemas.microsoft.com/office/powerpoint/2012/main"/>
+    </p:ext>
+  </p:extLst>
 </p:presentation>
 </file>
 
@@ -287,7 +297,7 @@
             <a:fld id="{87DE6118-2437-4B30-8E3C-4D2BE6020583}" type="datetimeFigureOut">
               <a:rPr lang="en-US" dirty="0"/>
               <a:pPr/>
-              <a:t>4/24/2023</a:t>
+              <a:t>4/25/2023</a:t>
             </a:fld>
             <a:endParaRPr lang="en-US" dirty="0"/>
           </a:p>
@@ -613,7 +623,7 @@
           <a:p>
             <a:fld id="{87DE6118-2437-4B30-8E3C-4D2BE6020583}" type="datetimeFigureOut">
               <a:rPr lang="en-US" dirty="0"/>
-              <a:t>4/24/2023</a:t>
+              <a:t>4/25/2023</a:t>
             </a:fld>
             <a:endParaRPr lang="en-US" dirty="0"/>
           </a:p>
@@ -788,7 +798,7 @@
           <a:p>
             <a:fld id="{87DE6118-2437-4B30-8E3C-4D2BE6020583}" type="datetimeFigureOut">
               <a:rPr lang="en-US" dirty="0"/>
-              <a:t>4/24/2023</a:t>
+              <a:t>4/25/2023</a:t>
             </a:fld>
             <a:endParaRPr lang="en-US" dirty="0"/>
           </a:p>
@@ -953,7 +963,7 @@
           <a:p>
             <a:fld id="{87DE6118-2437-4B30-8E3C-4D2BE6020583}" type="datetimeFigureOut">
               <a:rPr lang="en-US" dirty="0"/>
-              <a:t>4/24/2023</a:t>
+              <a:t>4/25/2023</a:t>
             </a:fld>
             <a:endParaRPr lang="en-US" dirty="0"/>
           </a:p>
@@ -1226,7 +1236,7 @@
             <a:fld id="{87DE6118-2437-4B30-8E3C-4D2BE6020583}" type="datetimeFigureOut">
               <a:rPr lang="en-US" dirty="0"/>
               <a:pPr/>
-              <a:t>4/24/2023</a:t>
+              <a:t>4/25/2023</a:t>
             </a:fld>
             <a:endParaRPr lang="en-US" dirty="0"/>
           </a:p>
@@ -1616,7 +1626,7 @@
           <a:p>
             <a:fld id="{87DE6118-2437-4B30-8E3C-4D2BE6020583}" type="datetimeFigureOut">
               <a:rPr lang="en-US" dirty="0"/>
-              <a:t>4/24/2023</a:t>
+              <a:t>4/25/2023</a:t>
             </a:fld>
             <a:endParaRPr lang="en-US" dirty="0"/>
           </a:p>
@@ -2088,7 +2098,7 @@
           <a:p>
             <a:fld id="{87DE6118-2437-4B30-8E3C-4D2BE6020583}" type="datetimeFigureOut">
               <a:rPr lang="en-US" dirty="0"/>
-              <a:t>4/24/2023</a:t>
+              <a:t>4/25/2023</a:t>
             </a:fld>
             <a:endParaRPr lang="en-US" dirty="0"/>
           </a:p>
@@ -2201,7 +2211,7 @@
           <a:p>
             <a:fld id="{87DE6118-2437-4B30-8E3C-4D2BE6020583}" type="datetimeFigureOut">
               <a:rPr lang="en-US" dirty="0"/>
-              <a:t>4/24/2023</a:t>
+              <a:t>4/25/2023</a:t>
             </a:fld>
             <a:endParaRPr lang="en-US" dirty="0"/>
           </a:p>
@@ -2291,7 +2301,7 @@
           <a:p>
             <a:fld id="{87DE6118-2437-4B30-8E3C-4D2BE6020583}" type="datetimeFigureOut">
               <a:rPr lang="en-US" dirty="0"/>
-              <a:t>4/24/2023</a:t>
+              <a:t>4/25/2023</a:t>
             </a:fld>
             <a:endParaRPr lang="en-US" dirty="0"/>
           </a:p>
@@ -2633,7 +2643,7 @@
             <a:fld id="{87DE6118-2437-4B30-8E3C-4D2BE6020583}" type="datetimeFigureOut">
               <a:rPr lang="en-US" dirty="0"/>
               <a:pPr/>
-              <a:t>4/24/2023</a:t>
+              <a:t>4/25/2023</a:t>
             </a:fld>
             <a:endParaRPr lang="en-US" dirty="0"/>
           </a:p>
@@ -3018,7 +3028,7 @@
             <a:fld id="{87DE6118-2437-4B30-8E3C-4D2BE6020583}" type="datetimeFigureOut">
               <a:rPr lang="en-US" dirty="0"/>
               <a:pPr/>
-              <a:t>4/24/2023</a:t>
+              <a:t>4/25/2023</a:t>
             </a:fld>
             <a:endParaRPr lang="en-US" dirty="0"/>
           </a:p>
@@ -3293,7 +3303,7 @@
             <a:fld id="{87DE6118-2437-4B30-8E3C-4D2BE6020583}" type="datetimeFigureOut">
               <a:rPr lang="en-US" dirty="0"/>
               <a:pPr/>
-              <a:t>4/24/2023</a:t>
+              <a:t>4/25/2023</a:t>
             </a:fld>
             <a:endParaRPr lang="en-US" dirty="0"/>
           </a:p>
@@ -3930,8 +3940,696 @@
           <a:p>
             <a:r>
               <a:rPr lang="ko-KR" altLang="en-US" sz="2000" dirty="0"/>
-              <a:t>실습하기</a:t>
-            </a:r>
+              <a:t>실습하기 </a:t>
+            </a:r>
+            <a:r>
+              <a:rPr lang="en-US" altLang="ko-KR" sz="2000" dirty="0"/>
+              <a:t>5 – CRUD</a:t>
+            </a:r>
+            <a:r>
+              <a:rPr lang="ko-KR" altLang="en-US" sz="2000" dirty="0"/>
+              <a:t>형식으로 거리계산해보기</a:t>
+            </a:r>
+          </a:p>
+        </p:txBody>
+      </p:sp>
+      <p:pic>
+        <p:nvPicPr>
+          <p:cNvPr id="4" name="그림 3">
+            <a:extLst>
+              <a:ext uri="{FF2B5EF4-FFF2-40B4-BE49-F238E27FC236}">
+                <a16:creationId xmlns:a16="http://schemas.microsoft.com/office/drawing/2014/main" id="{AC1B6482-C0CF-71EE-8E84-2C5F4570EC07}"/>
+              </a:ext>
+            </a:extLst>
+          </p:cNvPr>
+          <p:cNvPicPr>
+            <a:picLocks noChangeAspect="1"/>
+          </p:cNvPicPr>
+          <p:nvPr/>
+        </p:nvPicPr>
+        <p:blipFill>
+          <a:blip r:embed="rId2"/>
+          <a:stretch>
+            <a:fillRect/>
+          </a:stretch>
+        </p:blipFill>
+        <p:spPr>
+          <a:xfrm>
+            <a:off x="2818942" y="1038447"/>
+            <a:ext cx="6554115" cy="3877216"/>
+          </a:xfrm>
+          <a:prstGeom prst="rect">
+            <a:avLst/>
+          </a:prstGeom>
+        </p:spPr>
+      </p:pic>
+      <p:sp>
+        <p:nvSpPr>
+          <p:cNvPr id="5" name="TextBox 4">
+            <a:extLst>
+              <a:ext uri="{FF2B5EF4-FFF2-40B4-BE49-F238E27FC236}">
+                <a16:creationId xmlns:a16="http://schemas.microsoft.com/office/drawing/2014/main" id="{A7615A70-CF10-1B3B-4560-A298A086F58D}"/>
+              </a:ext>
+            </a:extLst>
+          </p:cNvPr>
+          <p:cNvSpPr txBox="1"/>
+          <p:nvPr/>
+        </p:nvSpPr>
+        <p:spPr>
+          <a:xfrm>
+            <a:off x="2262350" y="5515303"/>
+            <a:ext cx="7667298" cy="646331"/>
+          </a:xfrm>
+          <a:prstGeom prst="rect">
+            <a:avLst/>
+          </a:prstGeom>
+          <a:noFill/>
+        </p:spPr>
+        <p:txBody>
+          <a:bodyPr wrap="square" rtlCol="0">
+            <a:spAutoFit/>
+          </a:bodyPr>
+          <a:lstStyle/>
+          <a:p>
+            <a:r>
+              <a:rPr lang="ko-KR" altLang="en-US" dirty="0"/>
+              <a:t>멤버변수로 </a:t>
+            </a:r>
+            <a:r>
+              <a:rPr lang="en-US" altLang="ko-KR" dirty="0" err="1"/>
+              <a:t>roadNameAddress</a:t>
+            </a:r>
+            <a:r>
+              <a:rPr lang="en-US" altLang="ko-KR" dirty="0"/>
+              <a:t>, latitude, longitude</a:t>
+            </a:r>
+            <a:r>
+              <a:rPr lang="ko-KR" altLang="en-US" dirty="0"/>
+              <a:t>선언 후 생성자를 만들고 </a:t>
+            </a:r>
+            <a:r>
+              <a:rPr lang="ko-KR" altLang="en-US" dirty="0" err="1"/>
+              <a:t>거리계산하는데</a:t>
+            </a:r>
+            <a:r>
+              <a:rPr lang="ko-KR" altLang="en-US" dirty="0"/>
+              <a:t> 필요한 위도</a:t>
+            </a:r>
+            <a:r>
+              <a:rPr lang="en-US" altLang="ko-KR" dirty="0"/>
+              <a:t>, </a:t>
+            </a:r>
+            <a:r>
+              <a:rPr lang="ko-KR" altLang="en-US" dirty="0"/>
+              <a:t>경도와 도로명주소를 </a:t>
+            </a:r>
+            <a:r>
+              <a:rPr lang="en-US" altLang="ko-KR" dirty="0"/>
+              <a:t>parameter</a:t>
+            </a:r>
+            <a:r>
+              <a:rPr lang="ko-KR" altLang="en-US" dirty="0"/>
+              <a:t>로 받았다</a:t>
+            </a:r>
+            <a:r>
+              <a:rPr lang="en-US" altLang="ko-KR" dirty="0"/>
+              <a:t>.</a:t>
+            </a:r>
+            <a:endParaRPr lang="ko-KR" altLang="en-US" dirty="0"/>
+          </a:p>
+        </p:txBody>
+      </p:sp>
+    </p:spTree>
+    <p:extLst>
+      <p:ext uri="{BB962C8B-B14F-4D97-AF65-F5344CB8AC3E}">
+        <p14:creationId xmlns:p14="http://schemas.microsoft.com/office/powerpoint/2010/main" val="363117394"/>
+      </p:ext>
+    </p:extLst>
+  </p:cSld>
+  <p:clrMapOvr>
+    <a:masterClrMapping/>
+  </p:clrMapOvr>
+</p:sld>
+</file>
+
+<file path=ppt/slides/slide11.xml><?xml version="1.0" encoding="utf-8"?>
+<p:sld xmlns:a="http://schemas.openxmlformats.org/drawingml/2006/main" xmlns:r="http://schemas.openxmlformats.org/officeDocument/2006/relationships" xmlns:p="http://schemas.openxmlformats.org/presentationml/2006/main">
+  <p:cSld>
+    <p:spTree>
+      <p:nvGrpSpPr>
+        <p:cNvPr id="1" name=""/>
+        <p:cNvGrpSpPr/>
+        <p:nvPr/>
+      </p:nvGrpSpPr>
+      <p:grpSpPr>
+        <a:xfrm>
+          <a:off x="0" y="0"/>
+          <a:ext cx="0" cy="0"/>
+          <a:chOff x="0" y="0"/>
+          <a:chExt cx="0" cy="0"/>
+        </a:xfrm>
+      </p:grpSpPr>
+      <p:sp>
+        <p:nvSpPr>
+          <p:cNvPr id="2" name="제목 1">
+            <a:extLst>
+              <a:ext uri="{FF2B5EF4-FFF2-40B4-BE49-F238E27FC236}">
+                <a16:creationId xmlns:a16="http://schemas.microsoft.com/office/drawing/2014/main" id="{307C5534-61C4-8A42-DC2C-E7ED94211253}"/>
+              </a:ext>
+            </a:extLst>
+          </p:cNvPr>
+          <p:cNvSpPr>
+            <a:spLocks noGrp="1"/>
+          </p:cNvSpPr>
+          <p:nvPr>
+            <p:ph type="title"/>
+          </p:nvPr>
+        </p:nvSpPr>
+        <p:spPr>
+          <a:xfrm>
+            <a:off x="709449" y="0"/>
+            <a:ext cx="9601200" cy="438807"/>
+          </a:xfrm>
+        </p:spPr>
+        <p:txBody>
+          <a:bodyPr>
+            <a:normAutofit/>
+          </a:bodyPr>
+          <a:lstStyle/>
+          <a:p>
+            <a:r>
+              <a:rPr lang="ko-KR" altLang="en-US" sz="2000" dirty="0"/>
+              <a:t>실습하기 </a:t>
+            </a:r>
+            <a:r>
+              <a:rPr lang="en-US" altLang="ko-KR" sz="2000" dirty="0"/>
+              <a:t>5 – </a:t>
+            </a:r>
+            <a:r>
+              <a:rPr lang="ko-KR" altLang="en-US" sz="2000" dirty="0"/>
+              <a:t>다른 방식으로 거리계산해보기</a:t>
+            </a:r>
+          </a:p>
+        </p:txBody>
+      </p:sp>
+      <p:pic>
+        <p:nvPicPr>
+          <p:cNvPr id="7" name="그림 6">
+            <a:extLst>
+              <a:ext uri="{FF2B5EF4-FFF2-40B4-BE49-F238E27FC236}">
+                <a16:creationId xmlns:a16="http://schemas.microsoft.com/office/drawing/2014/main" id="{A9F6EA2B-E5A6-E033-FEEB-2DEE95539576}"/>
+              </a:ext>
+            </a:extLst>
+          </p:cNvPr>
+          <p:cNvPicPr>
+            <a:picLocks noChangeAspect="1"/>
+          </p:cNvPicPr>
+          <p:nvPr/>
+        </p:nvPicPr>
+        <p:blipFill>
+          <a:blip r:embed="rId2"/>
+          <a:stretch>
+            <a:fillRect/>
+          </a:stretch>
+        </p:blipFill>
+        <p:spPr>
+          <a:xfrm>
+            <a:off x="2242599" y="1673440"/>
+            <a:ext cx="7706801" cy="2410161"/>
+          </a:xfrm>
+          <a:prstGeom prst="rect">
+            <a:avLst/>
+          </a:prstGeom>
+        </p:spPr>
+      </p:pic>
+      <p:sp>
+        <p:nvSpPr>
+          <p:cNvPr id="8" name="TextBox 7">
+            <a:extLst>
+              <a:ext uri="{FF2B5EF4-FFF2-40B4-BE49-F238E27FC236}">
+                <a16:creationId xmlns:a16="http://schemas.microsoft.com/office/drawing/2014/main" id="{F4F8DA1E-4855-8020-0D09-F3C5F49D09AF}"/>
+              </a:ext>
+            </a:extLst>
+          </p:cNvPr>
+          <p:cNvSpPr txBox="1"/>
+          <p:nvPr/>
+        </p:nvSpPr>
+        <p:spPr>
+          <a:xfrm>
+            <a:off x="2242599" y="4861394"/>
+            <a:ext cx="7706801" cy="646331"/>
+          </a:xfrm>
+          <a:prstGeom prst="rect">
+            <a:avLst/>
+          </a:prstGeom>
+          <a:noFill/>
+        </p:spPr>
+        <p:txBody>
+          <a:bodyPr wrap="square" rtlCol="0">
+            <a:spAutoFit/>
+          </a:bodyPr>
+          <a:lstStyle/>
+          <a:p>
+            <a:r>
+              <a:rPr lang="en-US" altLang="ko-KR" dirty="0" err="1"/>
+              <a:t>WifiItem</a:t>
+            </a:r>
+            <a:r>
+              <a:rPr lang="ko-KR" altLang="en-US" dirty="0"/>
+              <a:t>을 데이터타입으로 하는 </a:t>
+            </a:r>
+            <a:r>
+              <a:rPr lang="en-US" altLang="ko-KR" dirty="0"/>
+              <a:t>parameter wifiItem1, </a:t>
+            </a:r>
+            <a:r>
+              <a:rPr lang="en-US" altLang="ko-KR" dirty="0" err="1"/>
+              <a:t>wifiItem</a:t>
+            </a:r>
+            <a:r>
+              <a:rPr lang="en-US" altLang="ko-KR" dirty="0"/>
+              <a:t> 2</a:t>
+            </a:r>
+            <a:r>
+              <a:rPr lang="ko-KR" altLang="en-US" dirty="0"/>
+              <a:t>의 위도 경도를 이용해서 두 지점 사이의 거리를 구한다</a:t>
+            </a:r>
+            <a:r>
+              <a:rPr lang="en-US" altLang="ko-KR" dirty="0"/>
+              <a:t>.</a:t>
+            </a:r>
+            <a:endParaRPr lang="ko-KR" altLang="en-US" dirty="0"/>
+          </a:p>
+        </p:txBody>
+      </p:sp>
+    </p:spTree>
+    <p:extLst>
+      <p:ext uri="{BB962C8B-B14F-4D97-AF65-F5344CB8AC3E}">
+        <p14:creationId xmlns:p14="http://schemas.microsoft.com/office/powerpoint/2010/main" val="3529397769"/>
+      </p:ext>
+    </p:extLst>
+  </p:cSld>
+  <p:clrMapOvr>
+    <a:masterClrMapping/>
+  </p:clrMapOvr>
+</p:sld>
+</file>
+
+<file path=ppt/slides/slide12.xml><?xml version="1.0" encoding="utf-8"?>
+<p:sld xmlns:a="http://schemas.openxmlformats.org/drawingml/2006/main" xmlns:r="http://schemas.openxmlformats.org/officeDocument/2006/relationships" xmlns:p="http://schemas.openxmlformats.org/presentationml/2006/main">
+  <p:cSld>
+    <p:spTree>
+      <p:nvGrpSpPr>
+        <p:cNvPr id="1" name=""/>
+        <p:cNvGrpSpPr/>
+        <p:nvPr/>
+      </p:nvGrpSpPr>
+      <p:grpSpPr>
+        <a:xfrm>
+          <a:off x="0" y="0"/>
+          <a:ext cx="0" cy="0"/>
+          <a:chOff x="0" y="0"/>
+          <a:chExt cx="0" cy="0"/>
+        </a:xfrm>
+      </p:grpSpPr>
+      <p:sp>
+        <p:nvSpPr>
+          <p:cNvPr id="2" name="제목 1">
+            <a:extLst>
+              <a:ext uri="{FF2B5EF4-FFF2-40B4-BE49-F238E27FC236}">
+                <a16:creationId xmlns:a16="http://schemas.microsoft.com/office/drawing/2014/main" id="{307C5534-61C4-8A42-DC2C-E7ED94211253}"/>
+              </a:ext>
+            </a:extLst>
+          </p:cNvPr>
+          <p:cNvSpPr>
+            <a:spLocks noGrp="1"/>
+          </p:cNvSpPr>
+          <p:nvPr>
+            <p:ph type="title"/>
+          </p:nvPr>
+        </p:nvSpPr>
+        <p:spPr>
+          <a:xfrm>
+            <a:off x="709449" y="0"/>
+            <a:ext cx="9601200" cy="438807"/>
+          </a:xfrm>
+        </p:spPr>
+        <p:txBody>
+          <a:bodyPr>
+            <a:normAutofit/>
+          </a:bodyPr>
+          <a:lstStyle/>
+          <a:p>
+            <a:r>
+              <a:rPr lang="ko-KR" altLang="en-US" sz="2000" dirty="0"/>
+              <a:t>실습하기 </a:t>
+            </a:r>
+            <a:r>
+              <a:rPr lang="en-US" altLang="ko-KR" sz="2000" dirty="0"/>
+              <a:t>5 – </a:t>
+            </a:r>
+            <a:r>
+              <a:rPr lang="ko-KR" altLang="en-US" sz="2000" dirty="0"/>
+              <a:t>다른 방식으로 거리계산해보기</a:t>
+            </a:r>
+          </a:p>
+        </p:txBody>
+      </p:sp>
+      <p:pic>
+        <p:nvPicPr>
+          <p:cNvPr id="4" name="그림 3">
+            <a:extLst>
+              <a:ext uri="{FF2B5EF4-FFF2-40B4-BE49-F238E27FC236}">
+                <a16:creationId xmlns:a16="http://schemas.microsoft.com/office/drawing/2014/main" id="{F53FE0E1-EC18-C3F9-5152-301810A212CC}"/>
+              </a:ext>
+            </a:extLst>
+          </p:cNvPr>
+          <p:cNvPicPr>
+            <a:picLocks noChangeAspect="1"/>
+          </p:cNvPicPr>
+          <p:nvPr/>
+        </p:nvPicPr>
+        <p:blipFill>
+          <a:blip r:embed="rId2"/>
+          <a:stretch>
+            <a:fillRect/>
+          </a:stretch>
+        </p:blipFill>
+        <p:spPr>
+          <a:xfrm>
+            <a:off x="709449" y="438807"/>
+            <a:ext cx="7751479" cy="6419193"/>
+          </a:xfrm>
+          <a:prstGeom prst="rect">
+            <a:avLst/>
+          </a:prstGeom>
+        </p:spPr>
+      </p:pic>
+      <p:sp>
+        <p:nvSpPr>
+          <p:cNvPr id="5" name="TextBox 4">
+            <a:extLst>
+              <a:ext uri="{FF2B5EF4-FFF2-40B4-BE49-F238E27FC236}">
+                <a16:creationId xmlns:a16="http://schemas.microsoft.com/office/drawing/2014/main" id="{FCAB7289-7AD2-9F89-B5C1-4C1B4E6A88BA}"/>
+              </a:ext>
+            </a:extLst>
+          </p:cNvPr>
+          <p:cNvSpPr txBox="1"/>
+          <p:nvPr/>
+        </p:nvSpPr>
+        <p:spPr>
+          <a:xfrm>
+            <a:off x="8902262" y="2494241"/>
+            <a:ext cx="3289738" cy="2308324"/>
+          </a:xfrm>
+          <a:prstGeom prst="rect">
+            <a:avLst/>
+          </a:prstGeom>
+          <a:noFill/>
+        </p:spPr>
+        <p:txBody>
+          <a:bodyPr wrap="square" rtlCol="0">
+            <a:spAutoFit/>
+          </a:bodyPr>
+          <a:lstStyle/>
+          <a:p>
+            <a:r>
+              <a:rPr lang="en-US" altLang="ko-KR" dirty="0"/>
+              <a:t>CRUD </a:t>
+            </a:r>
+            <a:r>
+              <a:rPr lang="ko-KR" altLang="en-US" dirty="0"/>
+              <a:t>모델 중 </a:t>
+            </a:r>
+            <a:r>
+              <a:rPr lang="en-US" altLang="ko-KR" dirty="0"/>
+              <a:t>R</a:t>
+            </a:r>
+            <a:r>
+              <a:rPr lang="ko-KR" altLang="en-US" dirty="0"/>
+              <a:t>에 해당하는 </a:t>
+            </a:r>
+            <a:r>
+              <a:rPr lang="en-US" altLang="ko-KR" dirty="0" err="1"/>
+              <a:t>selectAll</a:t>
+            </a:r>
+            <a:r>
+              <a:rPr lang="ko-KR" altLang="en-US" dirty="0"/>
+              <a:t>만 사용해보았다</a:t>
+            </a:r>
+            <a:r>
+              <a:rPr lang="en-US" altLang="ko-KR" dirty="0"/>
+              <a:t>.</a:t>
+            </a:r>
+          </a:p>
+          <a:p>
+            <a:endParaRPr lang="en-US" altLang="ko-KR" dirty="0"/>
+          </a:p>
+          <a:p>
+            <a:r>
+              <a:rPr lang="ko-KR" altLang="en-US" dirty="0"/>
+              <a:t>해당 경로에 있는 파일을 읽은 다음 탭을 기준으로 나누어 주소</a:t>
+            </a:r>
+            <a:r>
+              <a:rPr lang="en-US" altLang="ko-KR" dirty="0"/>
+              <a:t>, </a:t>
+            </a:r>
+            <a:r>
+              <a:rPr lang="ko-KR" altLang="en-US" dirty="0"/>
+              <a:t>위도</a:t>
+            </a:r>
+            <a:r>
+              <a:rPr lang="en-US" altLang="ko-KR" dirty="0"/>
+              <a:t>, </a:t>
+            </a:r>
+            <a:r>
+              <a:rPr lang="ko-KR" altLang="en-US" dirty="0"/>
+              <a:t>경도에 해당하는 값들을 </a:t>
+            </a:r>
+            <a:r>
+              <a:rPr lang="en-US" altLang="ko-KR" dirty="0"/>
+              <a:t>List</a:t>
+            </a:r>
+            <a:r>
+              <a:rPr lang="ko-KR" altLang="en-US" dirty="0"/>
+              <a:t>에 저장한 뒤 </a:t>
+            </a:r>
+            <a:r>
+              <a:rPr lang="en-US" altLang="ko-KR" dirty="0"/>
+              <a:t>List</a:t>
+            </a:r>
+            <a:r>
+              <a:rPr lang="ko-KR" altLang="en-US" dirty="0"/>
+              <a:t>를 </a:t>
+            </a:r>
+            <a:r>
+              <a:rPr lang="ko-KR" altLang="en-US" dirty="0" err="1"/>
+              <a:t>리턴해준다</a:t>
+            </a:r>
+            <a:r>
+              <a:rPr lang="en-US" altLang="ko-KR" dirty="0"/>
+              <a:t>.</a:t>
+            </a:r>
+            <a:endParaRPr lang="ko-KR" altLang="en-US" dirty="0"/>
+          </a:p>
+        </p:txBody>
+      </p:sp>
+    </p:spTree>
+    <p:extLst>
+      <p:ext uri="{BB962C8B-B14F-4D97-AF65-F5344CB8AC3E}">
+        <p14:creationId xmlns:p14="http://schemas.microsoft.com/office/powerpoint/2010/main" val="2248455852"/>
+      </p:ext>
+    </p:extLst>
+  </p:cSld>
+  <p:clrMapOvr>
+    <a:masterClrMapping/>
+  </p:clrMapOvr>
+</p:sld>
+</file>
+
+<file path=ppt/slides/slide13.xml><?xml version="1.0" encoding="utf-8"?>
+<p:sld xmlns:a="http://schemas.openxmlformats.org/drawingml/2006/main" xmlns:r="http://schemas.openxmlformats.org/officeDocument/2006/relationships" xmlns:p="http://schemas.openxmlformats.org/presentationml/2006/main">
+  <p:cSld>
+    <p:spTree>
+      <p:nvGrpSpPr>
+        <p:cNvPr id="1" name=""/>
+        <p:cNvGrpSpPr/>
+        <p:nvPr/>
+      </p:nvGrpSpPr>
+      <p:grpSpPr>
+        <a:xfrm>
+          <a:off x="0" y="0"/>
+          <a:ext cx="0" cy="0"/>
+          <a:chOff x="0" y="0"/>
+          <a:chExt cx="0" cy="0"/>
+        </a:xfrm>
+      </p:grpSpPr>
+      <p:sp>
+        <p:nvSpPr>
+          <p:cNvPr id="2" name="제목 1">
+            <a:extLst>
+              <a:ext uri="{FF2B5EF4-FFF2-40B4-BE49-F238E27FC236}">
+                <a16:creationId xmlns:a16="http://schemas.microsoft.com/office/drawing/2014/main" id="{307C5534-61C4-8A42-DC2C-E7ED94211253}"/>
+              </a:ext>
+            </a:extLst>
+          </p:cNvPr>
+          <p:cNvSpPr>
+            <a:spLocks noGrp="1"/>
+          </p:cNvSpPr>
+          <p:nvPr>
+            <p:ph type="title"/>
+          </p:nvPr>
+        </p:nvSpPr>
+        <p:spPr>
+          <a:xfrm>
+            <a:off x="709449" y="0"/>
+            <a:ext cx="9601200" cy="438807"/>
+          </a:xfrm>
+        </p:spPr>
+        <p:txBody>
+          <a:bodyPr>
+            <a:normAutofit/>
+          </a:bodyPr>
+          <a:lstStyle/>
+          <a:p>
+            <a:r>
+              <a:rPr lang="ko-KR" altLang="en-US" sz="2000" dirty="0"/>
+              <a:t>실습하기 </a:t>
+            </a:r>
+            <a:r>
+              <a:rPr lang="en-US" altLang="ko-KR" sz="2000" dirty="0"/>
+              <a:t>5 – </a:t>
+            </a:r>
+            <a:r>
+              <a:rPr lang="ko-KR" altLang="en-US" sz="2000" dirty="0"/>
+              <a:t>다른 방식으로 거리계산해보기</a:t>
+            </a:r>
+          </a:p>
+        </p:txBody>
+      </p:sp>
+      <p:pic>
+        <p:nvPicPr>
+          <p:cNvPr id="4" name="그림 3">
+            <a:extLst>
+              <a:ext uri="{FF2B5EF4-FFF2-40B4-BE49-F238E27FC236}">
+                <a16:creationId xmlns:a16="http://schemas.microsoft.com/office/drawing/2014/main" id="{9566DE65-7978-FD83-903B-6269F8537DDD}"/>
+              </a:ext>
+            </a:extLst>
+          </p:cNvPr>
+          <p:cNvPicPr>
+            <a:picLocks noChangeAspect="1"/>
+          </p:cNvPicPr>
+          <p:nvPr/>
+        </p:nvPicPr>
+        <p:blipFill>
+          <a:blip r:embed="rId2"/>
+          <a:stretch>
+            <a:fillRect/>
+          </a:stretch>
+        </p:blipFill>
+        <p:spPr>
+          <a:xfrm>
+            <a:off x="709449" y="336331"/>
+            <a:ext cx="7274607" cy="6521669"/>
+          </a:xfrm>
+          <a:prstGeom prst="rect">
+            <a:avLst/>
+          </a:prstGeom>
+        </p:spPr>
+      </p:pic>
+      <p:sp>
+        <p:nvSpPr>
+          <p:cNvPr id="5" name="TextBox 4">
+            <a:extLst>
+              <a:ext uri="{FF2B5EF4-FFF2-40B4-BE49-F238E27FC236}">
+                <a16:creationId xmlns:a16="http://schemas.microsoft.com/office/drawing/2014/main" id="{96F057CD-C057-F62E-66B7-1CC3F3ACE352}"/>
+              </a:ext>
+            </a:extLst>
+          </p:cNvPr>
+          <p:cNvSpPr txBox="1"/>
+          <p:nvPr/>
+        </p:nvSpPr>
+        <p:spPr>
+          <a:xfrm>
+            <a:off x="8492359" y="2828835"/>
+            <a:ext cx="3699641" cy="1200329"/>
+          </a:xfrm>
+          <a:prstGeom prst="rect">
+            <a:avLst/>
+          </a:prstGeom>
+          <a:noFill/>
+        </p:spPr>
+        <p:txBody>
+          <a:bodyPr wrap="square" rtlCol="0">
+            <a:spAutoFit/>
+          </a:bodyPr>
+          <a:lstStyle/>
+          <a:p>
+            <a:r>
+              <a:rPr lang="ko-KR" altLang="en-US" dirty="0"/>
+              <a:t>앞서 나온 클래스들을 활용해서 가장 가까운 거리</a:t>
+            </a:r>
+            <a:r>
+              <a:rPr lang="en-US" altLang="ko-KR" dirty="0"/>
+              <a:t>/</a:t>
+            </a:r>
+            <a:r>
+              <a:rPr lang="ko-KR" altLang="en-US" dirty="0"/>
+              <a:t>주소</a:t>
+            </a:r>
+            <a:r>
+              <a:rPr lang="en-US" altLang="ko-KR" dirty="0"/>
+              <a:t>/</a:t>
+            </a:r>
+            <a:r>
+              <a:rPr lang="ko-KR" altLang="en-US" dirty="0"/>
+              <a:t>위도</a:t>
+            </a:r>
+            <a:r>
+              <a:rPr lang="en-US" altLang="ko-KR" dirty="0"/>
+              <a:t>/</a:t>
+            </a:r>
+            <a:r>
+              <a:rPr lang="ko-KR" altLang="en-US" dirty="0"/>
+              <a:t>경도</a:t>
+            </a:r>
+            <a:r>
+              <a:rPr lang="en-US" altLang="ko-KR" dirty="0"/>
+              <a:t>, </a:t>
+            </a:r>
+            <a:r>
+              <a:rPr lang="ko-KR" altLang="en-US" dirty="0"/>
+              <a:t>가장 먼 거리</a:t>
+            </a:r>
+            <a:r>
+              <a:rPr lang="en-US" altLang="ko-KR" dirty="0"/>
+              <a:t>/</a:t>
+            </a:r>
+            <a:r>
+              <a:rPr lang="ko-KR" altLang="en-US" dirty="0"/>
+              <a:t>주소</a:t>
+            </a:r>
+            <a:r>
+              <a:rPr lang="en-US" altLang="ko-KR" dirty="0"/>
+              <a:t>/</a:t>
+            </a:r>
+            <a:r>
+              <a:rPr lang="ko-KR" altLang="en-US" dirty="0"/>
+              <a:t>위도</a:t>
+            </a:r>
+            <a:r>
+              <a:rPr lang="en-US" altLang="ko-KR" dirty="0"/>
+              <a:t>/</a:t>
+            </a:r>
+            <a:r>
+              <a:rPr lang="ko-KR" altLang="en-US" dirty="0"/>
+              <a:t>경도를 구해보았다</a:t>
+            </a:r>
+            <a:r>
+              <a:rPr lang="en-US" altLang="ko-KR" dirty="0"/>
+              <a:t>.</a:t>
+            </a:r>
+            <a:endParaRPr lang="ko-KR" altLang="en-US" dirty="0"/>
           </a:p>
         </p:txBody>
       </p:sp>
@@ -3948,7 +4646,153 @@
 </p:sld>
 </file>
 
-<file path=ppt/slides/slide11.xml><?xml version="1.0" encoding="utf-8"?>
+<file path=ppt/slides/slide14.xml><?xml version="1.0" encoding="utf-8"?>
+<p:sld xmlns:a="http://schemas.openxmlformats.org/drawingml/2006/main" xmlns:r="http://schemas.openxmlformats.org/officeDocument/2006/relationships" xmlns:p="http://schemas.openxmlformats.org/presentationml/2006/main">
+  <p:cSld>
+    <p:spTree>
+      <p:nvGrpSpPr>
+        <p:cNvPr id="1" name=""/>
+        <p:cNvGrpSpPr/>
+        <p:nvPr/>
+      </p:nvGrpSpPr>
+      <p:grpSpPr>
+        <a:xfrm>
+          <a:off x="0" y="0"/>
+          <a:ext cx="0" cy="0"/>
+          <a:chOff x="0" y="0"/>
+          <a:chExt cx="0" cy="0"/>
+        </a:xfrm>
+      </p:grpSpPr>
+      <p:sp>
+        <p:nvSpPr>
+          <p:cNvPr id="2" name="제목 1">
+            <a:extLst>
+              <a:ext uri="{FF2B5EF4-FFF2-40B4-BE49-F238E27FC236}">
+                <a16:creationId xmlns:a16="http://schemas.microsoft.com/office/drawing/2014/main" id="{307C5534-61C4-8A42-DC2C-E7ED94211253}"/>
+              </a:ext>
+            </a:extLst>
+          </p:cNvPr>
+          <p:cNvSpPr>
+            <a:spLocks noGrp="1"/>
+          </p:cNvSpPr>
+          <p:nvPr>
+            <p:ph type="title"/>
+          </p:nvPr>
+        </p:nvSpPr>
+        <p:spPr>
+          <a:xfrm>
+            <a:off x="709449" y="0"/>
+            <a:ext cx="9601200" cy="438807"/>
+          </a:xfrm>
+        </p:spPr>
+        <p:txBody>
+          <a:bodyPr>
+            <a:normAutofit/>
+          </a:bodyPr>
+          <a:lstStyle/>
+          <a:p>
+            <a:r>
+              <a:rPr lang="ko-KR" altLang="en-US" sz="2000" dirty="0"/>
+              <a:t>실습하기 </a:t>
+            </a:r>
+            <a:r>
+              <a:rPr lang="en-US" altLang="ko-KR" sz="2000" dirty="0"/>
+              <a:t>5 – </a:t>
+            </a:r>
+            <a:r>
+              <a:rPr lang="ko-KR" altLang="en-US" sz="2000" dirty="0"/>
+              <a:t>다른 방식으로 거리계산해보기</a:t>
+            </a:r>
+          </a:p>
+        </p:txBody>
+      </p:sp>
+    </p:spTree>
+    <p:extLst>
+      <p:ext uri="{BB962C8B-B14F-4D97-AF65-F5344CB8AC3E}">
+        <p14:creationId xmlns:p14="http://schemas.microsoft.com/office/powerpoint/2010/main" val="3105765518"/>
+      </p:ext>
+    </p:extLst>
+  </p:cSld>
+  <p:clrMapOvr>
+    <a:masterClrMapping/>
+  </p:clrMapOvr>
+</p:sld>
+</file>
+
+<file path=ppt/slides/slide15.xml><?xml version="1.0" encoding="utf-8"?>
+<p:sld xmlns:a="http://schemas.openxmlformats.org/drawingml/2006/main" xmlns:r="http://schemas.openxmlformats.org/officeDocument/2006/relationships" xmlns:p="http://schemas.openxmlformats.org/presentationml/2006/main">
+  <p:cSld>
+    <p:spTree>
+      <p:nvGrpSpPr>
+        <p:cNvPr id="1" name=""/>
+        <p:cNvGrpSpPr/>
+        <p:nvPr/>
+      </p:nvGrpSpPr>
+      <p:grpSpPr>
+        <a:xfrm>
+          <a:off x="0" y="0"/>
+          <a:ext cx="0" cy="0"/>
+          <a:chOff x="0" y="0"/>
+          <a:chExt cx="0" cy="0"/>
+        </a:xfrm>
+      </p:grpSpPr>
+      <p:sp>
+        <p:nvSpPr>
+          <p:cNvPr id="2" name="제목 1">
+            <a:extLst>
+              <a:ext uri="{FF2B5EF4-FFF2-40B4-BE49-F238E27FC236}">
+                <a16:creationId xmlns:a16="http://schemas.microsoft.com/office/drawing/2014/main" id="{307C5534-61C4-8A42-DC2C-E7ED94211253}"/>
+              </a:ext>
+            </a:extLst>
+          </p:cNvPr>
+          <p:cNvSpPr>
+            <a:spLocks noGrp="1"/>
+          </p:cNvSpPr>
+          <p:nvPr>
+            <p:ph type="title"/>
+          </p:nvPr>
+        </p:nvSpPr>
+        <p:spPr>
+          <a:xfrm>
+            <a:off x="709449" y="0"/>
+            <a:ext cx="9601200" cy="438807"/>
+          </a:xfrm>
+        </p:spPr>
+        <p:txBody>
+          <a:bodyPr>
+            <a:normAutofit/>
+          </a:bodyPr>
+          <a:lstStyle/>
+          <a:p>
+            <a:r>
+              <a:rPr lang="ko-KR" altLang="en-US" sz="2000" dirty="0"/>
+              <a:t>실습하기 </a:t>
+            </a:r>
+            <a:r>
+              <a:rPr lang="en-US" altLang="ko-KR" sz="2000" dirty="0"/>
+              <a:t>5 – </a:t>
+            </a:r>
+            <a:r>
+              <a:rPr lang="ko-KR" altLang="en-US" sz="2000" dirty="0"/>
+              <a:t>다른 방식으로 거리계산해보기</a:t>
+            </a:r>
+          </a:p>
+        </p:txBody>
+      </p:sp>
+    </p:spTree>
+    <p:extLst>
+      <p:ext uri="{BB962C8B-B14F-4D97-AF65-F5344CB8AC3E}">
+        <p14:creationId xmlns:p14="http://schemas.microsoft.com/office/powerpoint/2010/main" val="3916150431"/>
+      </p:ext>
+    </p:extLst>
+  </p:cSld>
+  <p:clrMapOvr>
+    <a:masterClrMapping/>
+  </p:clrMapOvr>
+</p:sld>
+</file>
+
+<file path=ppt/slides/slide16.xml><?xml version="1.0" encoding="utf-8"?>
 <p:sld xmlns:a="http://schemas.openxmlformats.org/drawingml/2006/main" xmlns:r="http://schemas.openxmlformats.org/officeDocument/2006/relationships" xmlns:p="http://schemas.openxmlformats.org/presentationml/2006/main">
   <p:cSld>
     <p:spTree>
@@ -4181,7 +5025,7 @@
           <a:lstStyle/>
           <a:p>
             <a:pPr algn="ctr"/>
-            <a:endParaRPr lang="ko-KR" altLang="en-US"/>
+            <a:endParaRPr lang="ko-KR" altLang="en-US" dirty="0"/>
           </a:p>
         </p:txBody>
       </p:sp>
@@ -4366,7 +5210,7 @@
           <a:lstStyle/>
           <a:p>
             <a:pPr algn="ctr"/>
-            <a:endParaRPr lang="ko-KR" altLang="en-US"/>
+            <a:endParaRPr lang="ko-KR" altLang="en-US" dirty="0"/>
           </a:p>
         </p:txBody>
       </p:sp>
@@ -4551,7 +5395,7 @@
           <a:lstStyle/>
           <a:p>
             <a:pPr algn="ctr"/>
-            <a:endParaRPr lang="ko-KR" altLang="en-US"/>
+            <a:endParaRPr lang="ko-KR" altLang="en-US" dirty="0"/>
           </a:p>
         </p:txBody>
       </p:sp>
@@ -4749,7 +5593,7 @@
           <a:lstStyle/>
           <a:p>
             <a:pPr algn="ctr"/>
-            <a:endParaRPr lang="ko-KR" altLang="en-US"/>
+            <a:endParaRPr lang="ko-KR" altLang="en-US" dirty="0"/>
           </a:p>
         </p:txBody>
       </p:sp>
@@ -4947,7 +5791,7 @@
           <a:lstStyle/>
           <a:p>
             <a:pPr algn="ctr"/>
-            <a:endParaRPr lang="ko-KR" altLang="en-US"/>
+            <a:endParaRPr lang="ko-KR" altLang="en-US" dirty="0"/>
           </a:p>
         </p:txBody>
       </p:sp>
@@ -5243,8 +6087,115 @@
           <a:p>
             <a:r>
               <a:rPr lang="ko-KR" altLang="en-US" sz="2000" dirty="0"/>
-              <a:t>실습하기</a:t>
-            </a:r>
+              <a:t>실습하기 </a:t>
+            </a:r>
+            <a:r>
+              <a:rPr lang="en-US" altLang="ko-KR" sz="2000" dirty="0"/>
+              <a:t>5 – </a:t>
+            </a:r>
+            <a:r>
+              <a:rPr lang="ko-KR" altLang="en-US" sz="2000" dirty="0"/>
+              <a:t>다른 방식으로 거리계산해보기</a:t>
+            </a:r>
+          </a:p>
+        </p:txBody>
+      </p:sp>
+      <p:sp>
+        <p:nvSpPr>
+          <p:cNvPr id="3" name="TextBox 2">
+            <a:extLst>
+              <a:ext uri="{FF2B5EF4-FFF2-40B4-BE49-F238E27FC236}">
+                <a16:creationId xmlns:a16="http://schemas.microsoft.com/office/drawing/2014/main" id="{6759461B-A793-DB6E-E9E5-6026B2CDFA68}"/>
+              </a:ext>
+            </a:extLst>
+          </p:cNvPr>
+          <p:cNvSpPr txBox="1"/>
+          <p:nvPr/>
+        </p:nvSpPr>
+        <p:spPr>
+          <a:xfrm>
+            <a:off x="1602827" y="3105834"/>
+            <a:ext cx="8986346" cy="646331"/>
+          </a:xfrm>
+          <a:prstGeom prst="rect">
+            <a:avLst/>
+          </a:prstGeom>
+          <a:noFill/>
+        </p:spPr>
+        <p:txBody>
+          <a:bodyPr wrap="square" rtlCol="0">
+            <a:spAutoFit/>
+          </a:bodyPr>
+          <a:lstStyle/>
+          <a:p>
+            <a:r>
+              <a:rPr lang="ko-KR" altLang="en-US" dirty="0"/>
+              <a:t>앞서 진행한 실습 </a:t>
+            </a:r>
+            <a:r>
+              <a:rPr lang="en-US" altLang="ko-KR" dirty="0"/>
+              <a:t>2</a:t>
+            </a:r>
+            <a:r>
+              <a:rPr lang="ko-KR" altLang="en-US" dirty="0"/>
+              <a:t>의 가장 가까운 곳</a:t>
+            </a:r>
+            <a:r>
+              <a:rPr lang="en-US" altLang="ko-KR" dirty="0"/>
+              <a:t>/</a:t>
+            </a:r>
+            <a:r>
+              <a:rPr lang="ko-KR" altLang="en-US" dirty="0"/>
+              <a:t>먼 곳 거리계산을 실제 </a:t>
+            </a:r>
+            <a:r>
+              <a:rPr lang="en-US" altLang="ko-KR" dirty="0"/>
+              <a:t>domain, </a:t>
+            </a:r>
+            <a:r>
+              <a:rPr lang="en-US" altLang="ko-KR" dirty="0" err="1"/>
+              <a:t>dao</a:t>
+            </a:r>
+            <a:r>
+              <a:rPr lang="en-US" altLang="ko-KR" dirty="0"/>
+              <a:t> </a:t>
+            </a:r>
+            <a:r>
+              <a:rPr lang="ko-KR" altLang="en-US" dirty="0"/>
+              <a:t>등을 활용해</a:t>
+            </a:r>
+            <a:endParaRPr lang="en-US" altLang="ko-KR" dirty="0"/>
+          </a:p>
+          <a:p>
+            <a:r>
+              <a:rPr lang="ko-KR" altLang="en-US" dirty="0"/>
+              <a:t>무료 </a:t>
+            </a:r>
+            <a:r>
+              <a:rPr lang="en-US" altLang="ko-KR" dirty="0" err="1"/>
+              <a:t>Wifi</a:t>
+            </a:r>
+            <a:r>
+              <a:rPr lang="en-US" altLang="ko-KR" dirty="0"/>
+              <a:t> </a:t>
+            </a:r>
+            <a:r>
+              <a:rPr lang="ko-KR" altLang="en-US" dirty="0"/>
+              <a:t>시설 </a:t>
+            </a:r>
+            <a:r>
+              <a:rPr lang="en-US" altLang="ko-KR" dirty="0"/>
+              <a:t>UI</a:t>
+            </a:r>
+            <a:r>
+              <a:rPr lang="ko-KR" altLang="en-US" dirty="0"/>
+              <a:t>를 구현한다 생각하고 코드를 나눠보았다</a:t>
+            </a:r>
+            <a:r>
+              <a:rPr lang="en-US" altLang="ko-KR" dirty="0"/>
+              <a:t>.</a:t>
+            </a:r>
+            <a:endParaRPr lang="ko-KR" altLang="en-US" dirty="0"/>
           </a:p>
         </p:txBody>
       </p:sp>

--- a/자바심화 과제/20230425 자바심화 과제 남정현.pptx
+++ b/자바심화 과제/20230425 자바심화 과제 남정현.pptx
@@ -21,6 +21,8 @@
     <p:sldId id="269" r:id="rId15"/>
     <p:sldId id="271" r:id="rId16"/>
     <p:sldId id="266" r:id="rId17"/>
+    <p:sldId id="272" r:id="rId18"/>
+    <p:sldId id="273" r:id="rId19"/>
   </p:sldIdLst>
   <p:sldSz cx="12192000" cy="6858000"/>
   <p:notesSz cx="6858000" cy="9144000"/>
@@ -297,7 +299,7 @@
             <a:fld id="{87DE6118-2437-4B30-8E3C-4D2BE6020583}" type="datetimeFigureOut">
               <a:rPr lang="en-US" dirty="0"/>
               <a:pPr/>
-              <a:t>4/25/2023</a:t>
+              <a:t>4/26/2023</a:t>
             </a:fld>
             <a:endParaRPr lang="en-US" dirty="0"/>
           </a:p>
@@ -623,7 +625,7 @@
           <a:p>
             <a:fld id="{87DE6118-2437-4B30-8E3C-4D2BE6020583}" type="datetimeFigureOut">
               <a:rPr lang="en-US" dirty="0"/>
-              <a:t>4/25/2023</a:t>
+              <a:t>4/26/2023</a:t>
             </a:fld>
             <a:endParaRPr lang="en-US" dirty="0"/>
           </a:p>
@@ -798,7 +800,7 @@
           <a:p>
             <a:fld id="{87DE6118-2437-4B30-8E3C-4D2BE6020583}" type="datetimeFigureOut">
               <a:rPr lang="en-US" dirty="0"/>
-              <a:t>4/25/2023</a:t>
+              <a:t>4/26/2023</a:t>
             </a:fld>
             <a:endParaRPr lang="en-US" dirty="0"/>
           </a:p>
@@ -963,7 +965,7 @@
           <a:p>
             <a:fld id="{87DE6118-2437-4B30-8E3C-4D2BE6020583}" type="datetimeFigureOut">
               <a:rPr lang="en-US" dirty="0"/>
-              <a:t>4/25/2023</a:t>
+              <a:t>4/26/2023</a:t>
             </a:fld>
             <a:endParaRPr lang="en-US" dirty="0"/>
           </a:p>
@@ -1236,7 +1238,7 @@
             <a:fld id="{87DE6118-2437-4B30-8E3C-4D2BE6020583}" type="datetimeFigureOut">
               <a:rPr lang="en-US" dirty="0"/>
               <a:pPr/>
-              <a:t>4/25/2023</a:t>
+              <a:t>4/26/2023</a:t>
             </a:fld>
             <a:endParaRPr lang="en-US" dirty="0"/>
           </a:p>
@@ -1626,7 +1628,7 @@
           <a:p>
             <a:fld id="{87DE6118-2437-4B30-8E3C-4D2BE6020583}" type="datetimeFigureOut">
               <a:rPr lang="en-US" dirty="0"/>
-              <a:t>4/25/2023</a:t>
+              <a:t>4/26/2023</a:t>
             </a:fld>
             <a:endParaRPr lang="en-US" dirty="0"/>
           </a:p>
@@ -2098,7 +2100,7 @@
           <a:p>
             <a:fld id="{87DE6118-2437-4B30-8E3C-4D2BE6020583}" type="datetimeFigureOut">
               <a:rPr lang="en-US" dirty="0"/>
-              <a:t>4/25/2023</a:t>
+              <a:t>4/26/2023</a:t>
             </a:fld>
             <a:endParaRPr lang="en-US" dirty="0"/>
           </a:p>
@@ -2211,7 +2213,7 @@
           <a:p>
             <a:fld id="{87DE6118-2437-4B30-8E3C-4D2BE6020583}" type="datetimeFigureOut">
               <a:rPr lang="en-US" dirty="0"/>
-              <a:t>4/25/2023</a:t>
+              <a:t>4/26/2023</a:t>
             </a:fld>
             <a:endParaRPr lang="en-US" dirty="0"/>
           </a:p>
@@ -2301,7 +2303,7 @@
           <a:p>
             <a:fld id="{87DE6118-2437-4B30-8E3C-4D2BE6020583}" type="datetimeFigureOut">
               <a:rPr lang="en-US" dirty="0"/>
-              <a:t>4/25/2023</a:t>
+              <a:t>4/26/2023</a:t>
             </a:fld>
             <a:endParaRPr lang="en-US" dirty="0"/>
           </a:p>
@@ -2643,7 +2645,7 @@
             <a:fld id="{87DE6118-2437-4B30-8E3C-4D2BE6020583}" type="datetimeFigureOut">
               <a:rPr lang="en-US" dirty="0"/>
               <a:pPr/>
-              <a:t>4/25/2023</a:t>
+              <a:t>4/26/2023</a:t>
             </a:fld>
             <a:endParaRPr lang="en-US" dirty="0"/>
           </a:p>
@@ -3028,7 +3030,7 @@
             <a:fld id="{87DE6118-2437-4B30-8E3C-4D2BE6020583}" type="datetimeFigureOut">
               <a:rPr lang="en-US" dirty="0"/>
               <a:pPr/>
-              <a:t>4/25/2023</a:t>
+              <a:t>4/26/2023</a:t>
             </a:fld>
             <a:endParaRPr lang="en-US" dirty="0"/>
           </a:p>
@@ -3303,7 +3305,7 @@
             <a:fld id="{87DE6118-2437-4B30-8E3C-4D2BE6020583}" type="datetimeFigureOut">
               <a:rPr lang="en-US" dirty="0"/>
               <a:pPr/>
-              <a:t>4/25/2023</a:t>
+              <a:t>4/26/2023</a:t>
             </a:fld>
             <a:endParaRPr lang="en-US" dirty="0"/>
           </a:p>
@@ -4692,20 +4694,59 @@
           <a:lstStyle/>
           <a:p>
             <a:r>
+              <a:rPr lang="en-US" altLang="ko-KR" sz="2000" dirty="0" err="1"/>
+              <a:t>Stockdata</a:t>
+            </a:r>
+            <a:r>
               <a:rPr lang="ko-KR" altLang="en-US" sz="2000" dirty="0"/>
-              <a:t>실습하기 </a:t>
+              <a:t> </a:t>
             </a:r>
             <a:r>
               <a:rPr lang="en-US" altLang="ko-KR" sz="2000" dirty="0"/>
-              <a:t>5 – </a:t>
+              <a:t>–</a:t>
             </a:r>
             <a:r>
               <a:rPr lang="ko-KR" altLang="en-US" sz="2000" dirty="0"/>
-              <a:t>다른 방식으로 거리계산해보기</a:t>
-            </a:r>
-          </a:p>
-        </p:txBody>
-      </p:sp>
+              <a:t> 파일 훑어보고 </a:t>
+            </a:r>
+            <a:r>
+              <a:rPr lang="ko-KR" altLang="en-US" sz="2000" dirty="0" err="1"/>
+              <a:t>감잡기</a:t>
+            </a:r>
+            <a:endParaRPr lang="ko-KR" altLang="en-US" sz="2000" dirty="0"/>
+          </a:p>
+        </p:txBody>
+      </p:sp>
+      <p:pic>
+        <p:nvPicPr>
+          <p:cNvPr id="4" name="그림 3">
+            <a:extLst>
+              <a:ext uri="{FF2B5EF4-FFF2-40B4-BE49-F238E27FC236}">
+                <a16:creationId xmlns:a16="http://schemas.microsoft.com/office/drawing/2014/main" id="{6D1D4099-91EA-DF61-A9AD-84A358995AEB}"/>
+              </a:ext>
+            </a:extLst>
+          </p:cNvPr>
+          <p:cNvPicPr>
+            <a:picLocks noChangeAspect="1"/>
+          </p:cNvPicPr>
+          <p:nvPr/>
+        </p:nvPicPr>
+        <p:blipFill>
+          <a:blip r:embed="rId2"/>
+          <a:stretch>
+            <a:fillRect/>
+          </a:stretch>
+        </p:blipFill>
+        <p:spPr>
+          <a:xfrm>
+            <a:off x="1100400" y="438807"/>
+            <a:ext cx="9991200" cy="6396890"/>
+          </a:xfrm>
+          <a:prstGeom prst="rect">
+            <a:avLst/>
+          </a:prstGeom>
+        </p:spPr>
+      </p:pic>
     </p:spTree>
     <p:extLst>
       <p:ext uri="{BB962C8B-B14F-4D97-AF65-F5344CB8AC3E}">
@@ -4760,25 +4801,59 @@
         </p:spPr>
         <p:txBody>
           <a:bodyPr>
-            <a:normAutofit/>
+            <a:normAutofit fontScale="90000"/>
           </a:bodyPr>
           <a:lstStyle/>
           <a:p>
             <a:r>
+              <a:rPr lang="en-US" altLang="ko-KR" sz="2000" dirty="0" err="1"/>
+              <a:t>Stockdata</a:t>
+            </a:r>
+            <a:r>
+              <a:rPr lang="en-US" altLang="ko-KR" sz="2000" dirty="0"/>
+              <a:t> – </a:t>
+            </a:r>
+            <a:r>
               <a:rPr lang="ko-KR" altLang="en-US" sz="2000" dirty="0"/>
-              <a:t>실습하기 </a:t>
-            </a:r>
-            <a:r>
+              <a:t>감 잡은 내용으로 파일정제</a:t>
+            </a:r>
+            <a:br>
               <a:rPr lang="en-US" altLang="ko-KR" sz="2000" dirty="0"/>
-              <a:t>5 – </a:t>
-            </a:r>
-            <a:r>
-              <a:rPr lang="ko-KR" altLang="en-US" sz="2000" dirty="0"/>
-              <a:t>다른 방식으로 거리계산해보기</a:t>
-            </a:r>
-          </a:p>
-        </p:txBody>
-      </p:sp>
+            </a:br>
+            <a:endParaRPr lang="ko-KR" altLang="en-US" sz="2000" dirty="0"/>
+          </a:p>
+        </p:txBody>
+      </p:sp>
+      <p:pic>
+        <p:nvPicPr>
+          <p:cNvPr id="4" name="그림 3">
+            <a:extLst>
+              <a:ext uri="{FF2B5EF4-FFF2-40B4-BE49-F238E27FC236}">
+                <a16:creationId xmlns:a16="http://schemas.microsoft.com/office/drawing/2014/main" id="{5DA1893C-336B-0629-1ECD-B640FC4C1EAE}"/>
+              </a:ext>
+            </a:extLst>
+          </p:cNvPr>
+          <p:cNvPicPr>
+            <a:picLocks noChangeAspect="1"/>
+          </p:cNvPicPr>
+          <p:nvPr/>
+        </p:nvPicPr>
+        <p:blipFill>
+          <a:blip r:embed="rId2"/>
+          <a:stretch>
+            <a:fillRect/>
+          </a:stretch>
+        </p:blipFill>
+        <p:spPr>
+          <a:xfrm>
+            <a:off x="709449" y="534638"/>
+            <a:ext cx="11482551" cy="5788724"/>
+          </a:xfrm>
+          <a:prstGeom prst="rect">
+            <a:avLst/>
+          </a:prstGeom>
+        </p:spPr>
+      </p:pic>
     </p:spTree>
     <p:extLst>
       <p:ext uri="{BB962C8B-B14F-4D97-AF65-F5344CB8AC3E}">
@@ -4838,16 +4913,275 @@
           <a:lstStyle/>
           <a:p>
             <a:r>
+              <a:rPr lang="en-US" altLang="ko-KR" sz="2000" dirty="0" err="1"/>
+              <a:t>Stockdata</a:t>
+            </a:r>
+            <a:r>
+              <a:rPr lang="en-US" altLang="ko-KR" sz="2000" dirty="0"/>
+              <a:t> – </a:t>
+            </a:r>
+            <a:r>
               <a:rPr lang="ko-KR" altLang="en-US" sz="2000" dirty="0"/>
-              <a:t>실습하기</a:t>
-            </a:r>
-          </a:p>
-        </p:txBody>
-      </p:sp>
+              <a:t>스스로 실습 </a:t>
+            </a:r>
+            <a:r>
+              <a:rPr lang="en-US" altLang="ko-KR" sz="2000" dirty="0"/>
+              <a:t>1</a:t>
+            </a:r>
+            <a:endParaRPr lang="ko-KR" altLang="en-US" sz="2000" dirty="0"/>
+          </a:p>
+        </p:txBody>
+      </p:sp>
+      <p:pic>
+        <p:nvPicPr>
+          <p:cNvPr id="6" name="그림 5">
+            <a:extLst>
+              <a:ext uri="{FF2B5EF4-FFF2-40B4-BE49-F238E27FC236}">
+                <a16:creationId xmlns:a16="http://schemas.microsoft.com/office/drawing/2014/main" id="{585031ED-D853-11E1-14EB-837D0AB28215}"/>
+              </a:ext>
+            </a:extLst>
+          </p:cNvPr>
+          <p:cNvPicPr>
+            <a:picLocks noChangeAspect="1"/>
+          </p:cNvPicPr>
+          <p:nvPr/>
+        </p:nvPicPr>
+        <p:blipFill>
+          <a:blip r:embed="rId2"/>
+          <a:stretch>
+            <a:fillRect/>
+          </a:stretch>
+        </p:blipFill>
+        <p:spPr>
+          <a:xfrm>
+            <a:off x="709449" y="932989"/>
+            <a:ext cx="11482551" cy="4992021"/>
+          </a:xfrm>
+          <a:prstGeom prst="rect">
+            <a:avLst/>
+          </a:prstGeom>
+        </p:spPr>
+      </p:pic>
     </p:spTree>
     <p:extLst>
       <p:ext uri="{BB962C8B-B14F-4D97-AF65-F5344CB8AC3E}">
         <p14:creationId xmlns:p14="http://schemas.microsoft.com/office/powerpoint/2010/main" val="1439127265"/>
+      </p:ext>
+    </p:extLst>
+  </p:cSld>
+  <p:clrMapOvr>
+    <a:masterClrMapping/>
+  </p:clrMapOvr>
+</p:sld>
+</file>
+
+<file path=ppt/slides/slide17.xml><?xml version="1.0" encoding="utf-8"?>
+<p:sld xmlns:a="http://schemas.openxmlformats.org/drawingml/2006/main" xmlns:r="http://schemas.openxmlformats.org/officeDocument/2006/relationships" xmlns:p="http://schemas.openxmlformats.org/presentationml/2006/main">
+  <p:cSld>
+    <p:spTree>
+      <p:nvGrpSpPr>
+        <p:cNvPr id="1" name=""/>
+        <p:cNvGrpSpPr/>
+        <p:nvPr/>
+      </p:nvGrpSpPr>
+      <p:grpSpPr>
+        <a:xfrm>
+          <a:off x="0" y="0"/>
+          <a:ext cx="0" cy="0"/>
+          <a:chOff x="0" y="0"/>
+          <a:chExt cx="0" cy="0"/>
+        </a:xfrm>
+      </p:grpSpPr>
+      <p:sp>
+        <p:nvSpPr>
+          <p:cNvPr id="2" name="제목 1">
+            <a:extLst>
+              <a:ext uri="{FF2B5EF4-FFF2-40B4-BE49-F238E27FC236}">
+                <a16:creationId xmlns:a16="http://schemas.microsoft.com/office/drawing/2014/main" id="{307C5534-61C4-8A42-DC2C-E7ED94211253}"/>
+              </a:ext>
+            </a:extLst>
+          </p:cNvPr>
+          <p:cNvSpPr>
+            <a:spLocks noGrp="1"/>
+          </p:cNvSpPr>
+          <p:nvPr>
+            <p:ph type="title"/>
+          </p:nvPr>
+        </p:nvSpPr>
+        <p:spPr>
+          <a:xfrm>
+            <a:off x="709449" y="0"/>
+            <a:ext cx="9601200" cy="438807"/>
+          </a:xfrm>
+        </p:spPr>
+        <p:txBody>
+          <a:bodyPr>
+            <a:normAutofit/>
+          </a:bodyPr>
+          <a:lstStyle/>
+          <a:p>
+            <a:r>
+              <a:rPr lang="en-US" altLang="ko-KR" sz="2000" dirty="0" err="1"/>
+              <a:t>Stockdata</a:t>
+            </a:r>
+            <a:r>
+              <a:rPr lang="en-US" altLang="ko-KR" sz="2000" dirty="0"/>
+              <a:t> – </a:t>
+            </a:r>
+            <a:r>
+              <a:rPr lang="ko-KR" altLang="en-US" sz="2000" dirty="0"/>
+              <a:t>스스로 실습 </a:t>
+            </a:r>
+            <a:r>
+              <a:rPr lang="en-US" altLang="ko-KR" sz="2000" dirty="0"/>
+              <a:t>2</a:t>
+            </a:r>
+            <a:endParaRPr lang="ko-KR" altLang="en-US" sz="2000" dirty="0"/>
+          </a:p>
+        </p:txBody>
+      </p:sp>
+      <p:pic>
+        <p:nvPicPr>
+          <p:cNvPr id="4" name="그림 3">
+            <a:extLst>
+              <a:ext uri="{FF2B5EF4-FFF2-40B4-BE49-F238E27FC236}">
+                <a16:creationId xmlns:a16="http://schemas.microsoft.com/office/drawing/2014/main" id="{0071DB80-2CF3-6B27-71E2-1CF25468DD8B}"/>
+              </a:ext>
+            </a:extLst>
+          </p:cNvPr>
+          <p:cNvPicPr>
+            <a:picLocks noChangeAspect="1"/>
+          </p:cNvPicPr>
+          <p:nvPr/>
+        </p:nvPicPr>
+        <p:blipFill>
+          <a:blip r:embed="rId2"/>
+          <a:stretch>
+            <a:fillRect/>
+          </a:stretch>
+        </p:blipFill>
+        <p:spPr>
+          <a:xfrm>
+            <a:off x="729133" y="935894"/>
+            <a:ext cx="11462867" cy="4986212"/>
+          </a:xfrm>
+          <a:prstGeom prst="rect">
+            <a:avLst/>
+          </a:prstGeom>
+        </p:spPr>
+      </p:pic>
+    </p:spTree>
+    <p:extLst>
+      <p:ext uri="{BB962C8B-B14F-4D97-AF65-F5344CB8AC3E}">
+        <p14:creationId xmlns:p14="http://schemas.microsoft.com/office/powerpoint/2010/main" val="3886327016"/>
+      </p:ext>
+    </p:extLst>
+  </p:cSld>
+  <p:clrMapOvr>
+    <a:masterClrMapping/>
+  </p:clrMapOvr>
+</p:sld>
+</file>
+
+<file path=ppt/slides/slide18.xml><?xml version="1.0" encoding="utf-8"?>
+<p:sld xmlns:a="http://schemas.openxmlformats.org/drawingml/2006/main" xmlns:r="http://schemas.openxmlformats.org/officeDocument/2006/relationships" xmlns:p="http://schemas.openxmlformats.org/presentationml/2006/main">
+  <p:cSld>
+    <p:spTree>
+      <p:nvGrpSpPr>
+        <p:cNvPr id="1" name=""/>
+        <p:cNvGrpSpPr/>
+        <p:nvPr/>
+      </p:nvGrpSpPr>
+      <p:grpSpPr>
+        <a:xfrm>
+          <a:off x="0" y="0"/>
+          <a:ext cx="0" cy="0"/>
+          <a:chOff x="0" y="0"/>
+          <a:chExt cx="0" cy="0"/>
+        </a:xfrm>
+      </p:grpSpPr>
+      <p:sp>
+        <p:nvSpPr>
+          <p:cNvPr id="2" name="제목 1">
+            <a:extLst>
+              <a:ext uri="{FF2B5EF4-FFF2-40B4-BE49-F238E27FC236}">
+                <a16:creationId xmlns:a16="http://schemas.microsoft.com/office/drawing/2014/main" id="{307C5534-61C4-8A42-DC2C-E7ED94211253}"/>
+              </a:ext>
+            </a:extLst>
+          </p:cNvPr>
+          <p:cNvSpPr>
+            <a:spLocks noGrp="1"/>
+          </p:cNvSpPr>
+          <p:nvPr>
+            <p:ph type="title"/>
+          </p:nvPr>
+        </p:nvSpPr>
+        <p:spPr>
+          <a:xfrm>
+            <a:off x="709449" y="0"/>
+            <a:ext cx="9601200" cy="438807"/>
+          </a:xfrm>
+        </p:spPr>
+        <p:txBody>
+          <a:bodyPr>
+            <a:normAutofit/>
+          </a:bodyPr>
+          <a:lstStyle/>
+          <a:p>
+            <a:r>
+              <a:rPr lang="en-US" altLang="ko-KR" sz="2000" dirty="0" err="1"/>
+              <a:t>Stockdata</a:t>
+            </a:r>
+            <a:r>
+              <a:rPr lang="en-US" altLang="ko-KR" sz="2000" dirty="0"/>
+              <a:t> – </a:t>
+            </a:r>
+            <a:r>
+              <a:rPr lang="ko-KR" altLang="en-US" sz="2000" dirty="0"/>
+              <a:t>스스로 실습 </a:t>
+            </a:r>
+            <a:r>
+              <a:rPr lang="en-US" altLang="ko-KR" sz="2000" dirty="0"/>
+              <a:t>3</a:t>
+            </a:r>
+            <a:endParaRPr lang="ko-KR" altLang="en-US" sz="2000" dirty="0"/>
+          </a:p>
+        </p:txBody>
+      </p:sp>
+      <p:pic>
+        <p:nvPicPr>
+          <p:cNvPr id="4" name="그림 3">
+            <a:extLst>
+              <a:ext uri="{FF2B5EF4-FFF2-40B4-BE49-F238E27FC236}">
+                <a16:creationId xmlns:a16="http://schemas.microsoft.com/office/drawing/2014/main" id="{9944BDD9-5FA1-C10A-AD26-0D83451F0792}"/>
+              </a:ext>
+            </a:extLst>
+          </p:cNvPr>
+          <p:cNvPicPr>
+            <a:picLocks noChangeAspect="1"/>
+          </p:cNvPicPr>
+          <p:nvPr/>
+        </p:nvPicPr>
+        <p:blipFill>
+          <a:blip r:embed="rId2"/>
+          <a:stretch>
+            <a:fillRect/>
+          </a:stretch>
+        </p:blipFill>
+        <p:spPr>
+          <a:xfrm>
+            <a:off x="709449" y="438807"/>
+            <a:ext cx="11482551" cy="6297434"/>
+          </a:xfrm>
+          <a:prstGeom prst="rect">
+            <a:avLst/>
+          </a:prstGeom>
+        </p:spPr>
+      </p:pic>
+    </p:spTree>
+    <p:extLst>
+      <p:ext uri="{BB962C8B-B14F-4D97-AF65-F5344CB8AC3E}">
+        <p14:creationId xmlns:p14="http://schemas.microsoft.com/office/powerpoint/2010/main" val="699356872"/>
       </p:ext>
     </p:extLst>
   </p:cSld>

--- a/자바심화 과제/20230425 자바심화 과제 남정현.pptx
+++ b/자바심화 과제/20230425 자바심화 과제 남정현.pptx
@@ -299,7 +299,7 @@
             <a:fld id="{87DE6118-2437-4B30-8E3C-4D2BE6020583}" type="datetimeFigureOut">
               <a:rPr lang="en-US" dirty="0"/>
               <a:pPr/>
-              <a:t>4/26/2023</a:t>
+              <a:t>5/9/2023</a:t>
             </a:fld>
             <a:endParaRPr lang="en-US" dirty="0"/>
           </a:p>
@@ -625,7 +625,7 @@
           <a:p>
             <a:fld id="{87DE6118-2437-4B30-8E3C-4D2BE6020583}" type="datetimeFigureOut">
               <a:rPr lang="en-US" dirty="0"/>
-              <a:t>4/26/2023</a:t>
+              <a:t>5/9/2023</a:t>
             </a:fld>
             <a:endParaRPr lang="en-US" dirty="0"/>
           </a:p>
@@ -800,7 +800,7 @@
           <a:p>
             <a:fld id="{87DE6118-2437-4B30-8E3C-4D2BE6020583}" type="datetimeFigureOut">
               <a:rPr lang="en-US" dirty="0"/>
-              <a:t>4/26/2023</a:t>
+              <a:t>5/9/2023</a:t>
             </a:fld>
             <a:endParaRPr lang="en-US" dirty="0"/>
           </a:p>
@@ -965,7 +965,7 @@
           <a:p>
             <a:fld id="{87DE6118-2437-4B30-8E3C-4D2BE6020583}" type="datetimeFigureOut">
               <a:rPr lang="en-US" dirty="0"/>
-              <a:t>4/26/2023</a:t>
+              <a:t>5/9/2023</a:t>
             </a:fld>
             <a:endParaRPr lang="en-US" dirty="0"/>
           </a:p>
@@ -1238,7 +1238,7 @@
             <a:fld id="{87DE6118-2437-4B30-8E3C-4D2BE6020583}" type="datetimeFigureOut">
               <a:rPr lang="en-US" dirty="0"/>
               <a:pPr/>
-              <a:t>4/26/2023</a:t>
+              <a:t>5/9/2023</a:t>
             </a:fld>
             <a:endParaRPr lang="en-US" dirty="0"/>
           </a:p>
@@ -1628,7 +1628,7 @@
           <a:p>
             <a:fld id="{87DE6118-2437-4B30-8E3C-4D2BE6020583}" type="datetimeFigureOut">
               <a:rPr lang="en-US" dirty="0"/>
-              <a:t>4/26/2023</a:t>
+              <a:t>5/9/2023</a:t>
             </a:fld>
             <a:endParaRPr lang="en-US" dirty="0"/>
           </a:p>
@@ -2100,7 +2100,7 @@
           <a:p>
             <a:fld id="{87DE6118-2437-4B30-8E3C-4D2BE6020583}" type="datetimeFigureOut">
               <a:rPr lang="en-US" dirty="0"/>
-              <a:t>4/26/2023</a:t>
+              <a:t>5/9/2023</a:t>
             </a:fld>
             <a:endParaRPr lang="en-US" dirty="0"/>
           </a:p>
@@ -2213,7 +2213,7 @@
           <a:p>
             <a:fld id="{87DE6118-2437-4B30-8E3C-4D2BE6020583}" type="datetimeFigureOut">
               <a:rPr lang="en-US" dirty="0"/>
-              <a:t>4/26/2023</a:t>
+              <a:t>5/9/2023</a:t>
             </a:fld>
             <a:endParaRPr lang="en-US" dirty="0"/>
           </a:p>
@@ -2303,7 +2303,7 @@
           <a:p>
             <a:fld id="{87DE6118-2437-4B30-8E3C-4D2BE6020583}" type="datetimeFigureOut">
               <a:rPr lang="en-US" dirty="0"/>
-              <a:t>4/26/2023</a:t>
+              <a:t>5/9/2023</a:t>
             </a:fld>
             <a:endParaRPr lang="en-US" dirty="0"/>
           </a:p>
@@ -2645,7 +2645,7 @@
             <a:fld id="{87DE6118-2437-4B30-8E3C-4D2BE6020583}" type="datetimeFigureOut">
               <a:rPr lang="en-US" dirty="0"/>
               <a:pPr/>
-              <a:t>4/26/2023</a:t>
+              <a:t>5/9/2023</a:t>
             </a:fld>
             <a:endParaRPr lang="en-US" dirty="0"/>
           </a:p>
@@ -3030,7 +3030,7 @@
             <a:fld id="{87DE6118-2437-4B30-8E3C-4D2BE6020583}" type="datetimeFigureOut">
               <a:rPr lang="en-US" dirty="0"/>
               <a:pPr/>
-              <a:t>4/26/2023</a:t>
+              <a:t>5/9/2023</a:t>
             </a:fld>
             <a:endParaRPr lang="en-US" dirty="0"/>
           </a:p>
@@ -3305,7 +3305,7 @@
             <a:fld id="{87DE6118-2437-4B30-8E3C-4D2BE6020583}" type="datetimeFigureOut">
               <a:rPr lang="en-US" dirty="0"/>
               <a:pPr/>
-              <a:t>4/26/2023</a:t>
+              <a:t>5/9/2023</a:t>
             </a:fld>
             <a:endParaRPr lang="en-US" dirty="0"/>
           </a:p>
@@ -6217,10 +6217,10 @@
       </p:sp>
       <p:pic>
         <p:nvPicPr>
-          <p:cNvPr id="4" name="그림 3">
+          <p:cNvPr id="5" name="그림 4">
             <a:extLst>
               <a:ext uri="{FF2B5EF4-FFF2-40B4-BE49-F238E27FC236}">
-                <a16:creationId xmlns:a16="http://schemas.microsoft.com/office/drawing/2014/main" id="{7636D816-EBAF-0E9E-724C-B22620C57235}"/>
+                <a16:creationId xmlns:a16="http://schemas.microsoft.com/office/drawing/2014/main" id="{B32EE2BA-E824-E573-5170-1E3389EDC66D}"/>
               </a:ext>
             </a:extLst>
           </p:cNvPr>
@@ -6229,16 +6229,15 @@
           </p:cNvPicPr>
           <p:nvPr/>
         </p:nvPicPr>
-        <p:blipFill>
+        <p:blipFill rotWithShape="1">
           <a:blip r:embed="rId2"/>
-          <a:stretch>
-            <a:fillRect/>
-          </a:stretch>
+          <a:srcRect b="8129"/>
+          <a:stretch/>
         </p:blipFill>
         <p:spPr>
           <a:xfrm>
-            <a:off x="4426803" y="0"/>
-            <a:ext cx="6323332" cy="6857999"/>
+            <a:off x="3023305" y="438807"/>
+            <a:ext cx="6145389" cy="6300536"/>
           </a:xfrm>
           <a:prstGeom prst="rect">
             <a:avLst/>

--- a/자바심화 과제/20230425 자바심화 과제 남정현.pptx
+++ b/자바심화 과제/20230425 자바심화 과제 남정현.pptx
@@ -129,6 +129,35 @@
 </p:presentation>
 </file>
 
+<file path=ppt/changesInfos/changesInfo1.xml><?xml version="1.0" encoding="utf-8"?>
+<pc:chgInfo xmlns:a="http://schemas.openxmlformats.org/drawingml/2006/main" xmlns:r="http://schemas.openxmlformats.org/officeDocument/2006/relationships" xmlns:ac="http://schemas.microsoft.com/office/drawing/2013/main/command" xmlns:pc="http://schemas.microsoft.com/office/powerpoint/2013/main/command">
+  <pc:docChgLst>
+    <pc:chgData name="남 정현" userId="42c87c46deb7f138" providerId="LiveId" clId="{C72846A9-1E6E-4019-8851-0681C6156CF3}"/>
+    <pc:docChg chg="modSld">
+      <pc:chgData name="남 정현" userId="42c87c46deb7f138" providerId="LiveId" clId="{C72846A9-1E6E-4019-8851-0681C6156CF3}" dt="2023-05-11T14:51:43.933" v="0" actId="20577"/>
+      <pc:docMkLst>
+        <pc:docMk/>
+      </pc:docMkLst>
+      <pc:sldChg chg="modSp mod">
+        <pc:chgData name="남 정현" userId="42c87c46deb7f138" providerId="LiveId" clId="{C72846A9-1E6E-4019-8851-0681C6156CF3}" dt="2023-05-11T14:51:43.933" v="0" actId="20577"/>
+        <pc:sldMkLst>
+          <pc:docMk/>
+          <pc:sldMk cId="699356872" sldId="273"/>
+        </pc:sldMkLst>
+        <pc:spChg chg="mod">
+          <ac:chgData name="남 정현" userId="42c87c46deb7f138" providerId="LiveId" clId="{C72846A9-1E6E-4019-8851-0681C6156CF3}" dt="2023-05-11T14:51:43.933" v="0" actId="20577"/>
+          <ac:spMkLst>
+            <pc:docMk/>
+            <pc:sldMk cId="699356872" sldId="273"/>
+            <ac:spMk id="2" creationId="{307C5534-61C4-8A42-DC2C-E7ED94211253}"/>
+          </ac:spMkLst>
+        </pc:spChg>
+      </pc:sldChg>
+    </pc:docChg>
+  </pc:docChgLst>
+</pc:chgInfo>
+</file>
+
 <file path=ppt/slideLayouts/slideLayout1.xml><?xml version="1.0" encoding="utf-8"?>
 <p:sldLayout xmlns:a="http://schemas.openxmlformats.org/drawingml/2006/main" xmlns:r="http://schemas.openxmlformats.org/officeDocument/2006/relationships" xmlns:p="http://schemas.openxmlformats.org/presentationml/2006/main" showMasterSp="0" type="title" preserve="1">
   <p:cSld name="제목 슬라이드">
@@ -299,7 +328,7 @@
             <a:fld id="{87DE6118-2437-4B30-8E3C-4D2BE6020583}" type="datetimeFigureOut">
               <a:rPr lang="en-US" dirty="0"/>
               <a:pPr/>
-              <a:t>5/9/2023</a:t>
+              <a:t>5/11/2023</a:t>
             </a:fld>
             <a:endParaRPr lang="en-US" dirty="0"/>
           </a:p>
@@ -625,7 +654,7 @@
           <a:p>
             <a:fld id="{87DE6118-2437-4B30-8E3C-4D2BE6020583}" type="datetimeFigureOut">
               <a:rPr lang="en-US" dirty="0"/>
-              <a:t>5/9/2023</a:t>
+              <a:t>5/11/2023</a:t>
             </a:fld>
             <a:endParaRPr lang="en-US" dirty="0"/>
           </a:p>
@@ -800,7 +829,7 @@
           <a:p>
             <a:fld id="{87DE6118-2437-4B30-8E3C-4D2BE6020583}" type="datetimeFigureOut">
               <a:rPr lang="en-US" dirty="0"/>
-              <a:t>5/9/2023</a:t>
+              <a:t>5/11/2023</a:t>
             </a:fld>
             <a:endParaRPr lang="en-US" dirty="0"/>
           </a:p>
@@ -965,7 +994,7 @@
           <a:p>
             <a:fld id="{87DE6118-2437-4B30-8E3C-4D2BE6020583}" type="datetimeFigureOut">
               <a:rPr lang="en-US" dirty="0"/>
-              <a:t>5/9/2023</a:t>
+              <a:t>5/11/2023</a:t>
             </a:fld>
             <a:endParaRPr lang="en-US" dirty="0"/>
           </a:p>
@@ -1238,7 +1267,7 @@
             <a:fld id="{87DE6118-2437-4B30-8E3C-4D2BE6020583}" type="datetimeFigureOut">
               <a:rPr lang="en-US" dirty="0"/>
               <a:pPr/>
-              <a:t>5/9/2023</a:t>
+              <a:t>5/11/2023</a:t>
             </a:fld>
             <a:endParaRPr lang="en-US" dirty="0"/>
           </a:p>
@@ -1628,7 +1657,7 @@
           <a:p>
             <a:fld id="{87DE6118-2437-4B30-8E3C-4D2BE6020583}" type="datetimeFigureOut">
               <a:rPr lang="en-US" dirty="0"/>
-              <a:t>5/9/2023</a:t>
+              <a:t>5/11/2023</a:t>
             </a:fld>
             <a:endParaRPr lang="en-US" dirty="0"/>
           </a:p>
@@ -2100,7 +2129,7 @@
           <a:p>
             <a:fld id="{87DE6118-2437-4B30-8E3C-4D2BE6020583}" type="datetimeFigureOut">
               <a:rPr lang="en-US" dirty="0"/>
-              <a:t>5/9/2023</a:t>
+              <a:t>5/11/2023</a:t>
             </a:fld>
             <a:endParaRPr lang="en-US" dirty="0"/>
           </a:p>
@@ -2213,7 +2242,7 @@
           <a:p>
             <a:fld id="{87DE6118-2437-4B30-8E3C-4D2BE6020583}" type="datetimeFigureOut">
               <a:rPr lang="en-US" dirty="0"/>
-              <a:t>5/9/2023</a:t>
+              <a:t>5/11/2023</a:t>
             </a:fld>
             <a:endParaRPr lang="en-US" dirty="0"/>
           </a:p>
@@ -2303,7 +2332,7 @@
           <a:p>
             <a:fld id="{87DE6118-2437-4B30-8E3C-4D2BE6020583}" type="datetimeFigureOut">
               <a:rPr lang="en-US" dirty="0"/>
-              <a:t>5/9/2023</a:t>
+              <a:t>5/11/2023</a:t>
             </a:fld>
             <a:endParaRPr lang="en-US" dirty="0"/>
           </a:p>
@@ -2645,7 +2674,7 @@
             <a:fld id="{87DE6118-2437-4B30-8E3C-4D2BE6020583}" type="datetimeFigureOut">
               <a:rPr lang="en-US" dirty="0"/>
               <a:pPr/>
-              <a:t>5/9/2023</a:t>
+              <a:t>5/11/2023</a:t>
             </a:fld>
             <a:endParaRPr lang="en-US" dirty="0"/>
           </a:p>
@@ -3030,7 +3059,7 @@
             <a:fld id="{87DE6118-2437-4B30-8E3C-4D2BE6020583}" type="datetimeFigureOut">
               <a:rPr lang="en-US" dirty="0"/>
               <a:pPr/>
-              <a:t>5/9/2023</a:t>
+              <a:t>5/11/2023</a:t>
             </a:fld>
             <a:endParaRPr lang="en-US" dirty="0"/>
           </a:p>
@@ -3305,7 +3334,7 @@
             <a:fld id="{87DE6118-2437-4B30-8E3C-4D2BE6020583}" type="datetimeFigureOut">
               <a:rPr lang="en-US" dirty="0"/>
               <a:pPr/>
-              <a:t>5/9/2023</a:t>
+              <a:t>5/11/2023</a:t>
             </a:fld>
             <a:endParaRPr lang="en-US" dirty="0"/>
           </a:p>
@@ -5141,8 +5170,8 @@
               <a:t>스스로 실습 </a:t>
             </a:r>
             <a:r>
-              <a:rPr lang="en-US" altLang="ko-KR" sz="2000" dirty="0"/>
-              <a:t>3</a:t>
+              <a:rPr lang="en-US" altLang="ko-KR" sz="2000"/>
+              <a:t>3.</a:t>
             </a:r>
             <a:endParaRPr lang="ko-KR" altLang="en-US" sz="2000" dirty="0"/>
           </a:p>

--- a/자바심화 과제/20230425 자바심화 과제 남정현.pptx
+++ b/자바심화 과제/20230425 자바심화 과제 남정현.pptx
@@ -134,18 +134,18 @@
   <pc:docChgLst>
     <pc:chgData name="남 정현" userId="42c87c46deb7f138" providerId="LiveId" clId="{C72846A9-1E6E-4019-8851-0681C6156CF3}"/>
     <pc:docChg chg="modSld">
-      <pc:chgData name="남 정현" userId="42c87c46deb7f138" providerId="LiveId" clId="{C72846A9-1E6E-4019-8851-0681C6156CF3}" dt="2023-05-11T14:51:43.933" v="0" actId="20577"/>
+      <pc:chgData name="남 정현" userId="42c87c46deb7f138" providerId="LiveId" clId="{C72846A9-1E6E-4019-8851-0681C6156CF3}" dt="2023-05-14T14:23:11.222" v="1" actId="20577"/>
       <pc:docMkLst>
         <pc:docMk/>
       </pc:docMkLst>
       <pc:sldChg chg="modSp mod">
-        <pc:chgData name="남 정현" userId="42c87c46deb7f138" providerId="LiveId" clId="{C72846A9-1E6E-4019-8851-0681C6156CF3}" dt="2023-05-11T14:51:43.933" v="0" actId="20577"/>
+        <pc:chgData name="남 정현" userId="42c87c46deb7f138" providerId="LiveId" clId="{C72846A9-1E6E-4019-8851-0681C6156CF3}" dt="2023-05-14T14:23:11.222" v="1" actId="20577"/>
         <pc:sldMkLst>
           <pc:docMk/>
           <pc:sldMk cId="699356872" sldId="273"/>
         </pc:sldMkLst>
         <pc:spChg chg="mod">
-          <ac:chgData name="남 정현" userId="42c87c46deb7f138" providerId="LiveId" clId="{C72846A9-1E6E-4019-8851-0681C6156CF3}" dt="2023-05-11T14:51:43.933" v="0" actId="20577"/>
+          <ac:chgData name="남 정현" userId="42c87c46deb7f138" providerId="LiveId" clId="{C72846A9-1E6E-4019-8851-0681C6156CF3}" dt="2023-05-14T14:23:11.222" v="1" actId="20577"/>
           <ac:spMkLst>
             <pc:docMk/>
             <pc:sldMk cId="699356872" sldId="273"/>
@@ -328,7 +328,7 @@
             <a:fld id="{87DE6118-2437-4B30-8E3C-4D2BE6020583}" type="datetimeFigureOut">
               <a:rPr lang="en-US" dirty="0"/>
               <a:pPr/>
-              <a:t>5/11/2023</a:t>
+              <a:t>5/14/2023</a:t>
             </a:fld>
             <a:endParaRPr lang="en-US" dirty="0"/>
           </a:p>
@@ -654,7 +654,7 @@
           <a:p>
             <a:fld id="{87DE6118-2437-4B30-8E3C-4D2BE6020583}" type="datetimeFigureOut">
               <a:rPr lang="en-US" dirty="0"/>
-              <a:t>5/11/2023</a:t>
+              <a:t>5/14/2023</a:t>
             </a:fld>
             <a:endParaRPr lang="en-US" dirty="0"/>
           </a:p>
@@ -829,7 +829,7 @@
           <a:p>
             <a:fld id="{87DE6118-2437-4B30-8E3C-4D2BE6020583}" type="datetimeFigureOut">
               <a:rPr lang="en-US" dirty="0"/>
-              <a:t>5/11/2023</a:t>
+              <a:t>5/14/2023</a:t>
             </a:fld>
             <a:endParaRPr lang="en-US" dirty="0"/>
           </a:p>
@@ -994,7 +994,7 @@
           <a:p>
             <a:fld id="{87DE6118-2437-4B30-8E3C-4D2BE6020583}" type="datetimeFigureOut">
               <a:rPr lang="en-US" dirty="0"/>
-              <a:t>5/11/2023</a:t>
+              <a:t>5/14/2023</a:t>
             </a:fld>
             <a:endParaRPr lang="en-US" dirty="0"/>
           </a:p>
@@ -1267,7 +1267,7 @@
             <a:fld id="{87DE6118-2437-4B30-8E3C-4D2BE6020583}" type="datetimeFigureOut">
               <a:rPr lang="en-US" dirty="0"/>
               <a:pPr/>
-              <a:t>5/11/2023</a:t>
+              <a:t>5/14/2023</a:t>
             </a:fld>
             <a:endParaRPr lang="en-US" dirty="0"/>
           </a:p>
@@ -1657,7 +1657,7 @@
           <a:p>
             <a:fld id="{87DE6118-2437-4B30-8E3C-4D2BE6020583}" type="datetimeFigureOut">
               <a:rPr lang="en-US" dirty="0"/>
-              <a:t>5/11/2023</a:t>
+              <a:t>5/14/2023</a:t>
             </a:fld>
             <a:endParaRPr lang="en-US" dirty="0"/>
           </a:p>
@@ -2129,7 +2129,7 @@
           <a:p>
             <a:fld id="{87DE6118-2437-4B30-8E3C-4D2BE6020583}" type="datetimeFigureOut">
               <a:rPr lang="en-US" dirty="0"/>
-              <a:t>5/11/2023</a:t>
+              <a:t>5/14/2023</a:t>
             </a:fld>
             <a:endParaRPr lang="en-US" dirty="0"/>
           </a:p>
@@ -2242,7 +2242,7 @@
           <a:p>
             <a:fld id="{87DE6118-2437-4B30-8E3C-4D2BE6020583}" type="datetimeFigureOut">
               <a:rPr lang="en-US" dirty="0"/>
-              <a:t>5/11/2023</a:t>
+              <a:t>5/14/2023</a:t>
             </a:fld>
             <a:endParaRPr lang="en-US" dirty="0"/>
           </a:p>
@@ -2332,7 +2332,7 @@
           <a:p>
             <a:fld id="{87DE6118-2437-4B30-8E3C-4D2BE6020583}" type="datetimeFigureOut">
               <a:rPr lang="en-US" dirty="0"/>
-              <a:t>5/11/2023</a:t>
+              <a:t>5/14/2023</a:t>
             </a:fld>
             <a:endParaRPr lang="en-US" dirty="0"/>
           </a:p>
@@ -2674,7 +2674,7 @@
             <a:fld id="{87DE6118-2437-4B30-8E3C-4D2BE6020583}" type="datetimeFigureOut">
               <a:rPr lang="en-US" dirty="0"/>
               <a:pPr/>
-              <a:t>5/11/2023</a:t>
+              <a:t>5/14/2023</a:t>
             </a:fld>
             <a:endParaRPr lang="en-US" dirty="0"/>
           </a:p>
@@ -3059,7 +3059,7 @@
             <a:fld id="{87DE6118-2437-4B30-8E3C-4D2BE6020583}" type="datetimeFigureOut">
               <a:rPr lang="en-US" dirty="0"/>
               <a:pPr/>
-              <a:t>5/11/2023</a:t>
+              <a:t>5/14/2023</a:t>
             </a:fld>
             <a:endParaRPr lang="en-US" dirty="0"/>
           </a:p>
@@ -3334,7 +3334,7 @@
             <a:fld id="{87DE6118-2437-4B30-8E3C-4D2BE6020583}" type="datetimeFigureOut">
               <a:rPr lang="en-US" dirty="0"/>
               <a:pPr/>
-              <a:t>5/11/2023</a:t>
+              <a:t>5/14/2023</a:t>
             </a:fld>
             <a:endParaRPr lang="en-US" dirty="0"/>
           </a:p>
@@ -5171,7 +5171,7 @@
             </a:r>
             <a:r>
               <a:rPr lang="en-US" altLang="ko-KR" sz="2000"/>
-              <a:t>3.</a:t>
+              <a:t>3</a:t>
             </a:r>
             <a:endParaRPr lang="ko-KR" altLang="en-US" sz="2000" dirty="0"/>
           </a:p>
